--- a/2奇妙作為.pptx
+++ b/2奇妙作為.pptx
@@ -8,9 +8,8 @@
     <p:sldId id="256" r:id="rId2"/>
     <p:sldId id="257" r:id="rId3"/>
     <p:sldId id="258" r:id="rId4"/>
-    <p:sldId id="261" r:id="rId5"/>
-    <p:sldId id="259" r:id="rId6"/>
-    <p:sldId id="260" r:id="rId7"/>
+    <p:sldId id="259" r:id="rId5"/>
+    <p:sldId id="260" r:id="rId6"/>
   </p:sldIdLst>
   <p:sldSz cx="9144000" cy="6858000" type="screen4x3"/>
   <p:notesSz cx="6858000" cy="9144000"/>
@@ -250,7 +249,7 @@
             <a:fld id="{86B5546F-C09B-4E63-ABC5-F7C86A7E8D66}" type="datetimeFigureOut">
               <a:rPr lang="en-US" smtClean="0"/>
               <a:pPr/>
-              <a:t>1/5/2019</a:t>
+              <a:t>1/6/2018</a:t>
             </a:fld>
             <a:endParaRPr lang="en-US"/>
           </a:p>
@@ -1121,7 +1120,7 @@
             <a:fld id="{86B5546F-C09B-4E63-ABC5-F7C86A7E8D66}" type="datetimeFigureOut">
               <a:rPr lang="en-US" smtClean="0"/>
               <a:pPr/>
-              <a:t>1/5/2019</a:t>
+              <a:t>1/6/2018</a:t>
             </a:fld>
             <a:endParaRPr lang="en-US"/>
           </a:p>
@@ -1298,7 +1297,7 @@
             <a:fld id="{86B5546F-C09B-4E63-ABC5-F7C86A7E8D66}" type="datetimeFigureOut">
               <a:rPr lang="en-US" smtClean="0"/>
               <a:pPr/>
-              <a:t>1/5/2019</a:t>
+              <a:t>1/6/2018</a:t>
             </a:fld>
             <a:endParaRPr lang="en-US"/>
           </a:p>
@@ -1470,7 +1469,7 @@
             <a:fld id="{86B5546F-C09B-4E63-ABC5-F7C86A7E8D66}" type="datetimeFigureOut">
               <a:rPr lang="en-US" smtClean="0"/>
               <a:pPr/>
-              <a:t>1/5/2019</a:t>
+              <a:t>1/6/2018</a:t>
             </a:fld>
             <a:endParaRPr lang="en-US"/>
           </a:p>
@@ -1682,7 +1681,7 @@
             <a:fld id="{86B5546F-C09B-4E63-ABC5-F7C86A7E8D66}" type="datetimeFigureOut">
               <a:rPr lang="en-US" smtClean="0"/>
               <a:pPr/>
-              <a:t>1/5/2019</a:t>
+              <a:t>1/6/2018</a:t>
             </a:fld>
             <a:endParaRPr lang="en-US"/>
           </a:p>
@@ -2498,7 +2497,7 @@
             <a:fld id="{86B5546F-C09B-4E63-ABC5-F7C86A7E8D66}" type="datetimeFigureOut">
               <a:rPr lang="en-US" smtClean="0"/>
               <a:pPr/>
-              <a:t>1/5/2019</a:t>
+              <a:t>1/6/2018</a:t>
             </a:fld>
             <a:endParaRPr lang="en-US"/>
           </a:p>
@@ -2736,7 +2735,7 @@
             <a:fld id="{86B5546F-C09B-4E63-ABC5-F7C86A7E8D66}" type="datetimeFigureOut">
               <a:rPr lang="en-US" smtClean="0"/>
               <a:pPr/>
-              <a:t>1/5/2019</a:t>
+              <a:t>1/6/2018</a:t>
             </a:fld>
             <a:endParaRPr lang="en-US"/>
           </a:p>
@@ -3061,7 +3060,7 @@
             <a:fld id="{86B5546F-C09B-4E63-ABC5-F7C86A7E8D66}" type="datetimeFigureOut">
               <a:rPr lang="en-US" smtClean="0"/>
               <a:pPr/>
-              <a:t>1/5/2019</a:t>
+              <a:t>1/6/2018</a:t>
             </a:fld>
             <a:endParaRPr lang="en-US"/>
           </a:p>
@@ -3153,7 +3152,7 @@
             <a:fld id="{86B5546F-C09B-4E63-ABC5-F7C86A7E8D66}" type="datetimeFigureOut">
               <a:rPr lang="en-US" smtClean="0"/>
               <a:pPr/>
-              <a:t>1/5/2019</a:t>
+              <a:t>1/6/2018</a:t>
             </a:fld>
             <a:endParaRPr lang="en-US"/>
           </a:p>
@@ -3672,7 +3671,7 @@
             <a:fld id="{86B5546F-C09B-4E63-ABC5-F7C86A7E8D66}" type="datetimeFigureOut">
               <a:rPr lang="en-US" smtClean="0"/>
               <a:pPr/>
-              <a:t>1/5/2019</a:t>
+              <a:t>1/6/2018</a:t>
             </a:fld>
             <a:endParaRPr lang="en-US"/>
           </a:p>
@@ -4185,7 +4184,7 @@
             <a:fld id="{86B5546F-C09B-4E63-ABC5-F7C86A7E8D66}" type="datetimeFigureOut">
               <a:rPr lang="en-US" smtClean="0"/>
               <a:pPr/>
-              <a:t>1/5/2019</a:t>
+              <a:t>1/6/2018</a:t>
             </a:fld>
             <a:endParaRPr lang="en-US"/>
           </a:p>
@@ -4432,7 +4431,7 @@
             <a:fld id="{86B5546F-C09B-4E63-ABC5-F7C86A7E8D66}" type="datetimeFigureOut">
               <a:rPr lang="en-US" smtClean="0"/>
               <a:pPr/>
-              <a:t>1/5/2019</a:t>
+              <a:t>1/6/2018</a:t>
             </a:fld>
             <a:endParaRPr lang="en-US"/>
           </a:p>
@@ -5232,14 +5231,14 @@
           <a:lstStyle/>
           <a:p>
             <a:r>
-              <a:rPr lang="zh-TW" altLang="en-US" sz="6000" dirty="0" smtClean="0">
+              <a:rPr lang="zh-TW" altLang="en-US" sz="5400" dirty="0" smtClean="0">
                 <a:latin typeface="微軟正黑體" pitchFamily="34" charset="-120"/>
                 <a:ea typeface="微軟正黑體" pitchFamily="34" charset="-120"/>
               </a:rPr>
               <a:t>起初，神創造天地。</a:t>
             </a:r>
             <a:r>
-              <a:rPr lang="en-US" altLang="zh-TW" sz="6000" dirty="0" smtClean="0">
+              <a:rPr lang="en-US" altLang="zh-TW" sz="5400" dirty="0" smtClean="0">
                 <a:latin typeface="微軟正黑體" pitchFamily="34" charset="-120"/>
                 <a:ea typeface="微軟正黑體" pitchFamily="34" charset="-120"/>
               </a:rPr>
@@ -5248,27 +5247,27 @@
           </a:p>
           <a:p>
             <a:r>
-              <a:rPr lang="zh-TW" altLang="en-US" sz="6000" b="1" dirty="0" smtClean="0">
+              <a:rPr lang="zh-TW" altLang="en-US" sz="5400" b="1" dirty="0" smtClean="0">
                 <a:latin typeface="微軟正黑體" pitchFamily="34" charset="-120"/>
                 <a:ea typeface="微軟正黑體" pitchFamily="34" charset="-120"/>
               </a:rPr>
               <a:t>地是空虛混沌，淵面黑暗；神的靈運行在水面上。</a:t>
             </a:r>
-            <a:endParaRPr lang="en-US" altLang="zh-TW" sz="6000" b="1" dirty="0" smtClean="0">
+            <a:endParaRPr lang="en-US" altLang="zh-TW" sz="5400" b="1" dirty="0" smtClean="0">
               <a:latin typeface="微軟正黑體" pitchFamily="34" charset="-120"/>
               <a:ea typeface="微軟正黑體" pitchFamily="34" charset="-120"/>
             </a:endParaRPr>
           </a:p>
           <a:p>
             <a:r>
-              <a:rPr lang="zh-TW" altLang="en-US" sz="6000" dirty="0" smtClean="0">
+              <a:rPr lang="zh-TW" altLang="en-US" sz="5400" dirty="0" smtClean="0">
                 <a:latin typeface="微軟正黑體" pitchFamily="34" charset="-120"/>
                 <a:ea typeface="微軟正黑體" pitchFamily="34" charset="-120"/>
               </a:rPr>
               <a:t>神說：「要有光」，就有了光。</a:t>
             </a:r>
             <a:r>
-              <a:rPr lang="en-US" altLang="zh-TW" sz="6000" dirty="0" smtClean="0">
+              <a:rPr lang="en-US" altLang="zh-TW" sz="5400" dirty="0" smtClean="0">
                 <a:latin typeface="微軟正黑體" pitchFamily="34" charset="-120"/>
                 <a:ea typeface="微軟正黑體" pitchFamily="34" charset="-120"/>
               </a:rPr>
@@ -5277,14 +5276,14 @@
           </a:p>
           <a:p>
             <a:r>
-              <a:rPr lang="zh-TW" altLang="en-US" sz="6000" b="1" dirty="0" smtClean="0">
+              <a:rPr lang="zh-TW" altLang="en-US" sz="5400" b="1" dirty="0" smtClean="0">
                 <a:latin typeface="微軟正黑體" pitchFamily="34" charset="-120"/>
                 <a:ea typeface="微軟正黑體" pitchFamily="34" charset="-120"/>
               </a:rPr>
               <a:t>神看光是好的，就把光暗分開了。</a:t>
             </a:r>
             <a:r>
-              <a:rPr lang="en-US" altLang="zh-TW" sz="6000" b="1" dirty="0" smtClean="0">
+              <a:rPr lang="en-US" altLang="zh-TW" sz="5400" b="1" dirty="0" smtClean="0">
                 <a:latin typeface="微軟正黑體" pitchFamily="34" charset="-120"/>
                 <a:ea typeface="微軟正黑體" pitchFamily="34" charset="-120"/>
               </a:rPr>
@@ -5343,25 +5342,31 @@
         </p:spPr>
         <p:txBody>
           <a:bodyPr>
-            <a:noAutofit/>
+            <a:normAutofit/>
           </a:bodyPr>
           <a:lstStyle/>
           <a:p>
             <a:r>
-              <a:rPr lang="zh-TW" altLang="en-US" sz="6000" dirty="0" smtClean="0">
+              <a:rPr lang="zh-TW" altLang="en-US" sz="5400" dirty="0" smtClean="0">
                 <a:latin typeface="微軟正黑體" pitchFamily="34" charset="-120"/>
                 <a:ea typeface="微軟正黑體" pitchFamily="34" charset="-120"/>
               </a:rPr>
-              <a:t>神稱光為「晝」，稱暗為「夜」。有晚上，有早晨，這是頭一日</a:t>
-            </a:r>
-            <a:r>
-              <a:rPr lang="zh-TW" altLang="en-US" sz="6000" dirty="0" smtClean="0">
+              <a:t>神稱光為「晝」，稱暗為「夜」。有晚上，有早晨，這是頭一日。</a:t>
+            </a:r>
+            <a:endParaRPr lang="en-US" altLang="zh-TW" sz="5400" dirty="0" smtClean="0">
+              <a:latin typeface="微軟正黑體" pitchFamily="34" charset="-120"/>
+              <a:ea typeface="微軟正黑體" pitchFamily="34" charset="-120"/>
+            </a:endParaRPr>
+          </a:p>
+          <a:p>
+            <a:r>
+              <a:rPr lang="zh-TW" altLang="en-US" sz="5400" b="1" dirty="0" smtClean="0">
                 <a:latin typeface="微軟正黑體" pitchFamily="34" charset="-120"/>
                 <a:ea typeface="微軟正黑體" pitchFamily="34" charset="-120"/>
               </a:rPr>
-              <a:t>。</a:t>
-            </a:r>
-            <a:endParaRPr lang="en-US" altLang="zh-TW" sz="6000" dirty="0" smtClean="0">
+              <a:t>神說：「我們要照著我們的形像、按著我們的樣式造人，使他們管理海裡的魚、空中的鳥、地上的牲畜，和全地，並地上所爬的一切昆蟲。」</a:t>
+            </a:r>
+            <a:endParaRPr lang="en-US" altLang="zh-TW" sz="5400" b="1" dirty="0" smtClean="0">
               <a:latin typeface="微軟正黑體" pitchFamily="34" charset="-120"/>
               <a:ea typeface="微軟正黑體" pitchFamily="34" charset="-120"/>
             </a:endParaRPr>
@@ -5418,25 +5423,47 @@
         </p:spPr>
         <p:txBody>
           <a:bodyPr>
-            <a:noAutofit/>
+            <a:normAutofit/>
           </a:bodyPr>
           <a:lstStyle/>
           <a:p>
             <a:r>
-              <a:rPr lang="zh-TW" altLang="en-US" sz="6000" b="1" dirty="0" smtClean="0">
+              <a:rPr lang="zh-TW" altLang="en-US" sz="5400" dirty="0" smtClean="0">
                 <a:latin typeface="微軟正黑體" pitchFamily="34" charset="-120"/>
                 <a:ea typeface="微軟正黑體" pitchFamily="34" charset="-120"/>
               </a:rPr>
-              <a:t>神</a:t>
-            </a:r>
-            <a:r>
-              <a:rPr lang="zh-TW" altLang="en-US" sz="6000" b="1" dirty="0" smtClean="0">
+              <a:t>神就照著自己的形像造人，乃是照著他的形像造男造女。</a:t>
+            </a:r>
+            <a:r>
+              <a:rPr lang="en-US" altLang="zh-TW" sz="5400" dirty="0" smtClean="0">
                 <a:latin typeface="微軟正黑體" pitchFamily="34" charset="-120"/>
                 <a:ea typeface="微軟正黑體" pitchFamily="34" charset="-120"/>
               </a:rPr>
-              <a:t>說：「我們要照著我們的形像、按著我們的樣式造人，使他們管理海裡的魚、空中的鳥、地上的牲畜，和全地，並地上所爬的一切昆蟲。」</a:t>
-            </a:r>
-            <a:endParaRPr lang="en-US" altLang="zh-TW" sz="6000" b="1" dirty="0" smtClean="0">
+              <a:t> </a:t>
+            </a:r>
+          </a:p>
+          <a:p>
+            <a:r>
+              <a:rPr lang="zh-TW" altLang="en-US" sz="5400" b="1" dirty="0" smtClean="0">
+                <a:latin typeface="微軟正黑體" pitchFamily="34" charset="-120"/>
+                <a:ea typeface="微軟正黑體" pitchFamily="34" charset="-120"/>
+              </a:rPr>
+              <a:t>神就賜福給他們。</a:t>
+            </a:r>
+            <a:endParaRPr lang="en-US" altLang="zh-TW" sz="5400" b="1" dirty="0" smtClean="0">
+              <a:latin typeface="微軟正黑體" pitchFamily="34" charset="-120"/>
+              <a:ea typeface="微軟正黑體" pitchFamily="34" charset="-120"/>
+            </a:endParaRPr>
+          </a:p>
+          <a:p>
+            <a:r>
+              <a:rPr lang="zh-TW" altLang="en-US" sz="5400" dirty="0" smtClean="0">
+                <a:latin typeface="微軟正黑體" pitchFamily="34" charset="-120"/>
+                <a:ea typeface="微軟正黑體" pitchFamily="34" charset="-120"/>
+              </a:rPr>
+              <a:t>他使草生長，給六畜吃，使菜蔬發長，供給人用，使人從地裡能得食物，</a:t>
+            </a:r>
+            <a:endParaRPr lang="en-US" altLang="zh-TW" sz="5400" dirty="0" smtClean="0">
               <a:latin typeface="微軟正黑體" pitchFamily="34" charset="-120"/>
               <a:ea typeface="微軟正黑體" pitchFamily="34" charset="-120"/>
             </a:endParaRPr>
@@ -5498,110 +5525,13 @@
           <a:lstStyle/>
           <a:p>
             <a:r>
-              <a:rPr lang="zh-TW" altLang="en-US" sz="6000" dirty="0" smtClean="0">
-                <a:latin typeface="微軟正黑體" pitchFamily="34" charset="-120"/>
-                <a:ea typeface="微軟正黑體" pitchFamily="34" charset="-120"/>
-              </a:rPr>
-              <a:t>神就照著自己的形像造人，乃是照著他的形像造男造女。</a:t>
-            </a:r>
-            <a:r>
-              <a:rPr lang="en-US" altLang="zh-TW" sz="6000" dirty="0" smtClean="0">
-                <a:latin typeface="微軟正黑體" pitchFamily="34" charset="-120"/>
-                <a:ea typeface="微軟正黑體" pitchFamily="34" charset="-120"/>
-              </a:rPr>
-              <a:t> </a:t>
-            </a:r>
-          </a:p>
-          <a:p>
-            <a:r>
-              <a:rPr lang="zh-TW" altLang="en-US" sz="6000" b="1" dirty="0" smtClean="0">
-                <a:latin typeface="微軟正黑體" pitchFamily="34" charset="-120"/>
-                <a:ea typeface="微軟正黑體" pitchFamily="34" charset="-120"/>
-              </a:rPr>
-              <a:t>神就賜福給他們。</a:t>
-            </a:r>
-            <a:endParaRPr lang="en-US" altLang="zh-TW" sz="6000" b="1" dirty="0" smtClean="0">
-              <a:latin typeface="微軟正黑體" pitchFamily="34" charset="-120"/>
-              <a:ea typeface="微軟正黑體" pitchFamily="34" charset="-120"/>
-            </a:endParaRPr>
-          </a:p>
-          <a:p>
-            <a:r>
-              <a:rPr lang="zh-TW" altLang="en-US" sz="6000" dirty="0" smtClean="0">
-                <a:latin typeface="微軟正黑體" pitchFamily="34" charset="-120"/>
-                <a:ea typeface="微軟正黑體" pitchFamily="34" charset="-120"/>
-              </a:rPr>
-              <a:t>他使草生長，給六畜吃，使菜蔬發長，供給人用，使人從地裡能得食物，</a:t>
-            </a:r>
-            <a:endParaRPr lang="en-US" altLang="zh-TW" sz="6000" dirty="0" smtClean="0">
-              <a:latin typeface="微軟正黑體" pitchFamily="34" charset="-120"/>
-              <a:ea typeface="微軟正黑體" pitchFamily="34" charset="-120"/>
-            </a:endParaRPr>
-          </a:p>
-        </p:txBody>
-      </p:sp>
-    </p:spTree>
-  </p:cSld>
-  <p:clrMapOvr>
-    <a:masterClrMapping/>
-  </p:clrMapOvr>
-  <p:timing>
-    <p:tnLst>
-      <p:par>
-        <p:cTn id="1" dur="indefinite" restart="never" nodeType="tmRoot"/>
-      </p:par>
-    </p:tnLst>
-  </p:timing>
-</p:sld>
-</file>
-
-<file path=ppt/slides/slide6.xml><?xml version="1.0" encoding="utf-8"?>
-<p:sld xmlns:a="http://schemas.openxmlformats.org/drawingml/2006/main" xmlns:r="http://schemas.openxmlformats.org/officeDocument/2006/relationships" xmlns:p="http://schemas.openxmlformats.org/presentationml/2006/main">
-  <p:cSld>
-    <p:spTree>
-      <p:nvGrpSpPr>
-        <p:cNvPr id="1" name=""/>
-        <p:cNvGrpSpPr/>
-        <p:nvPr/>
-      </p:nvGrpSpPr>
-      <p:grpSpPr>
-        <a:xfrm>
-          <a:off x="0" y="0"/>
-          <a:ext cx="0" cy="0"/>
-          <a:chOff x="0" y="0"/>
-          <a:chExt cx="0" cy="0"/>
-        </a:xfrm>
-      </p:grpSpPr>
-      <p:sp>
-        <p:nvSpPr>
-          <p:cNvPr id="3" name="Content Placeholder 2"/>
-          <p:cNvSpPr>
-            <a:spLocks noGrp="1"/>
-          </p:cNvSpPr>
-          <p:nvPr>
-            <p:ph sz="quarter" idx="1"/>
-          </p:nvPr>
-        </p:nvSpPr>
-        <p:spPr>
-          <a:xfrm>
-            <a:off x="0" y="0"/>
-            <a:ext cx="9144000" cy="7010400"/>
-          </a:xfrm>
-        </p:spPr>
-        <p:txBody>
-          <a:bodyPr>
-            <a:normAutofit/>
-          </a:bodyPr>
-          <a:lstStyle/>
-          <a:p>
-            <a:r>
-              <a:rPr lang="zh-TW" altLang="en-US" sz="6000" b="1" dirty="0" smtClean="0">
+              <a:rPr lang="zh-TW" altLang="en-US" sz="5400" b="1" dirty="0" smtClean="0">
                 <a:latin typeface="微軟正黑體" pitchFamily="34" charset="-120"/>
                 <a:ea typeface="微軟正黑體" pitchFamily="34" charset="-120"/>
               </a:rPr>
               <a:t>耶和華啊，你所造的何其多！都是你用智慧造成的；遍地滿了你的豐富。</a:t>
             </a:r>
-            <a:endParaRPr lang="en-US" altLang="zh-TW" sz="6000" b="1" dirty="0" smtClean="0">
+            <a:endParaRPr lang="en-US" altLang="zh-TW" sz="5400" b="1" dirty="0" smtClean="0">
               <a:latin typeface="微軟正黑體" pitchFamily="34" charset="-120"/>
               <a:ea typeface="微軟正黑體" pitchFamily="34" charset="-120"/>
             </a:endParaRPr>
